--- a/resource/report.pptx
+++ b/resource/report.pptx
@@ -123,7 +123,7 @@
           <a:p>
             <a:fld id="{FD0A5B5A-7F4B-0B47-BBF8-299CBFFCBF84}" type="datetimeFigureOut">
               <a:rPr lang="en-US" smtClean="0"/>
-              <a:t>9/15/22</a:t>
+              <a:t>9/18/22</a:t>
             </a:fld>
             <a:endParaRPr lang="en-US"/>
           </a:p>
@@ -719,7 +719,7 @@
           <a:p>
             <a:fld id="{1D8BD707-D9CF-40AE-B4C6-C98DA3205C09}" type="datetimeFigureOut">
               <a:rPr lang="en-US"/>
-              <a:t>9/15/22</a:t>
+              <a:t>9/18/22</a:t>
             </a:fld>
             <a:endParaRPr lang="en-US"/>
           </a:p>
@@ -1364,7 +1364,7 @@
           <a:p>
             <a:fld id="{1D8BD707-D9CF-40AE-B4C6-C98DA3205C09}" type="datetimeFigureOut">
               <a:rPr lang="en-US"/>
-              <a:t>9/15/22</a:t>
+              <a:t>9/18/22</a:t>
             </a:fld>
             <a:endParaRPr lang="en-US"/>
           </a:p>
@@ -1590,7 +1590,7 @@
           <a:p>
             <a:fld id="{1D8BD707-D9CF-40AE-B4C6-C98DA3205C09}" type="datetimeFigureOut">
               <a:rPr lang="en-US"/>
-              <a:t>9/15/22</a:t>
+              <a:t>9/18/22</a:t>
             </a:fld>
             <a:endParaRPr lang="en-US"/>
           </a:p>
@@ -1742,7 +1742,7 @@
           <a:p>
             <a:fld id="{1D8BD707-D9CF-40AE-B4C6-C98DA3205C09}" type="datetimeFigureOut">
               <a:rPr lang="en-US"/>
-              <a:t>9/15/22</a:t>
+              <a:t>9/18/22</a:t>
             </a:fld>
             <a:endParaRPr lang="en-US"/>
           </a:p>
@@ -1861,7 +1861,7 @@
           <a:p>
             <a:fld id="{1D8BD707-D9CF-40AE-B4C6-C98DA3205C09}" type="datetimeFigureOut">
               <a:rPr lang="en-US"/>
-              <a:t>9/15/22</a:t>
+              <a:t>9/18/22</a:t>
             </a:fld>
             <a:endParaRPr lang="en-US"/>
           </a:p>
@@ -2422,7 +2422,7 @@
           <a:p>
             <a:fld id="{1D8BD707-D9CF-40AE-B4C6-C98DA3205C09}" type="datetimeFigureOut">
               <a:rPr lang="en-US"/>
-              <a:t>9/15/22</a:t>
+              <a:t>9/18/22</a:t>
             </a:fld>
             <a:endParaRPr lang="en-US"/>
           </a:p>
@@ -4474,7 +4474,7 @@
         <p:spPr>
           <a:xfrm>
             <a:off x="2474285" y="558799"/>
-            <a:ext cx="2031620" cy="258404"/>
+            <a:ext cx="2194560" cy="258404"/>
           </a:xfrm>
           <a:prstGeom prst="rect">
             <a:avLst/>
@@ -4502,50 +4502,40 @@
                 <a:latin typeface="Calibri"/>
                 <a:cs typeface="Calibri"/>
               </a:rPr>
-              <a:t>Nate &amp; </a:t>
-            </a:r>
-            <a:r>
-              <a:rPr sz="1600" dirty="0">
+              <a:t>Nate &amp; Maven</a:t>
+            </a:r>
+            <a:r>
+              <a:rPr lang="en-US" sz="1600" spc="-70" dirty="0">
                 <a:solidFill>
                   <a:srgbClr val="00AF50"/>
                 </a:solidFill>
                 <a:latin typeface="Calibri"/>
                 <a:cs typeface="Calibri"/>
               </a:rPr>
-              <a:t>Maven</a:t>
-            </a:r>
-            <a:r>
-              <a:rPr sz="1600" spc="-70" dirty="0">
-                <a:solidFill>
-                  <a:srgbClr val="00AF50"/>
-                </a:solidFill>
+              <a:t> </a:t>
+            </a:r>
+            <a:r>
+              <a:rPr lang="en-US" sz="1600" dirty="0">
                 <a:latin typeface="Calibri"/>
                 <a:cs typeface="Calibri"/>
               </a:rPr>
-              <a:t> </a:t>
-            </a:r>
-            <a:r>
-              <a:rPr sz="1600" dirty="0">
+              <a:t>Feb</a:t>
+            </a:r>
+            <a:r>
+              <a:rPr lang="en-US" sz="1600" spc="-55" dirty="0">
                 <a:latin typeface="Calibri"/>
                 <a:cs typeface="Calibri"/>
               </a:rPr>
-              <a:t>Feb</a:t>
-            </a:r>
-            <a:r>
-              <a:rPr sz="1600" spc="-55" dirty="0">
+              <a:t> </a:t>
+            </a:r>
+            <a:r>
+              <a:rPr lang="en-US" sz="1600" spc="-20" dirty="0">
                 <a:latin typeface="Calibri"/>
                 <a:cs typeface="Calibri"/>
               </a:rPr>
-              <a:t> </a:t>
-            </a:r>
-            <a:r>
-              <a:rPr sz="1600" spc="-20" dirty="0">
-                <a:latin typeface="Calibri"/>
-                <a:cs typeface="Calibri"/>
-              </a:rPr>
               <a:t>2022</a:t>
             </a:r>
-            <a:endParaRPr sz="1600" dirty="0">
+            <a:endParaRPr lang="en-US" sz="1600" dirty="0">
               <a:latin typeface="Calibri"/>
               <a:cs typeface="Calibri"/>
             </a:endParaRPr>
